--- a/CSI1001 Principles of DataBase Systems/JayaShree/Chapter-1/er_model.pptx
+++ b/CSI1001 Principles of DataBase Systems/JayaShree/Chapter-1/er_model.pptx
@@ -298,7 +298,7 @@
           <a:p>
             <a:fld id="{1D8BD707-D9CF-40AE-B4C6-C98DA3205C09}" type="datetimeFigureOut">
               <a:rPr lang="en-US"/>
-              <a:t>7/30/2018</a:t>
+              <a:t>1/22/2021</a:t>
             </a:fld>
             <a:endParaRPr lang="en-US"/>
           </a:p>
@@ -475,7 +475,7 @@
           <a:p>
             <a:fld id="{1D8BD707-D9CF-40AE-B4C6-C98DA3205C09}" type="datetimeFigureOut">
               <a:rPr lang="en-US"/>
-              <a:t>7/30/2018</a:t>
+              <a:t>1/22/2021</a:t>
             </a:fld>
             <a:endParaRPr lang="en-US"/>
           </a:p>
@@ -689,7 +689,7 @@
           <a:p>
             <a:fld id="{1D8BD707-D9CF-40AE-B4C6-C98DA3205C09}" type="datetimeFigureOut">
               <a:rPr lang="en-US"/>
-              <a:t>7/30/2018</a:t>
+              <a:t>1/22/2021</a:t>
             </a:fld>
             <a:endParaRPr lang="en-US"/>
           </a:p>
@@ -837,7 +837,7 @@
           <a:p>
             <a:fld id="{1D8BD707-D9CF-40AE-B4C6-C98DA3205C09}" type="datetimeFigureOut">
               <a:rPr lang="en-US"/>
-              <a:t>7/30/2018</a:t>
+              <a:t>1/22/2021</a:t>
             </a:fld>
             <a:endParaRPr lang="en-US"/>
           </a:p>
@@ -956,7 +956,7 @@
           <a:p>
             <a:fld id="{1D8BD707-D9CF-40AE-B4C6-C98DA3205C09}" type="datetimeFigureOut">
               <a:rPr lang="en-US"/>
-              <a:t>7/30/2018</a:t>
+              <a:t>1/22/2021</a:t>
             </a:fld>
             <a:endParaRPr lang="en-US"/>
           </a:p>
@@ -1315,7 +1315,7 @@
           <a:p>
             <a:fld id="{1D8BD707-D9CF-40AE-B4C6-C98DA3205C09}" type="datetimeFigureOut">
               <a:rPr lang="en-US"/>
-              <a:t>7/30/2018</a:t>
+              <a:t>1/22/2021</a:t>
             </a:fld>
             <a:endParaRPr lang="en-US"/>
           </a:p>
@@ -2993,13 +2993,6 @@
   <p:clrMapOvr>
     <a:masterClrMapping/>
   </p:clrMapOvr>
-  <p:timing>
-    <p:tnLst>
-      <p:par>
-        <p:cTn id="1" dur="indefinite" restart="never" nodeType="tmRoot"/>
-      </p:par>
-    </p:tnLst>
-  </p:timing>
 </p:sld>
 </file>
 
@@ -3791,13 +3784,6 @@
   <p:clrMapOvr>
     <a:masterClrMapping/>
   </p:clrMapOvr>
-  <p:timing>
-    <p:tnLst>
-      <p:par>
-        <p:cTn id="1" dur="indefinite" restart="never" nodeType="tmRoot"/>
-      </p:par>
-    </p:tnLst>
-  </p:timing>
 </p:sld>
 </file>
 
@@ -5012,13 +4998,6 @@
   <p:clrMapOvr>
     <a:masterClrMapping/>
   </p:clrMapOvr>
-  <p:timing>
-    <p:tnLst>
-      <p:par>
-        <p:cTn id="1" dur="indefinite" restart="never" nodeType="tmRoot"/>
-      </p:par>
-    </p:tnLst>
-  </p:timing>
 </p:sld>
 </file>
 
@@ -5793,13 +5772,6 @@
   <p:clrMapOvr>
     <a:masterClrMapping/>
   </p:clrMapOvr>
-  <p:timing>
-    <p:tnLst>
-      <p:par>
-        <p:cTn id="1" dur="indefinite" restart="never" nodeType="tmRoot"/>
-      </p:par>
-    </p:tnLst>
-  </p:timing>
 </p:sld>
 </file>
 
@@ -6522,13 +6494,6 @@
   <p:clrMapOvr>
     <a:masterClrMapping/>
   </p:clrMapOvr>
-  <p:timing>
-    <p:tnLst>
-      <p:par>
-        <p:cTn id="1" dur="indefinite" restart="never" nodeType="tmRoot"/>
-      </p:par>
-    </p:tnLst>
-  </p:timing>
 </p:sld>
 </file>
 
@@ -7101,13 +7066,6 @@
   <p:clrMapOvr>
     <a:masterClrMapping/>
   </p:clrMapOvr>
-  <p:timing>
-    <p:tnLst>
-      <p:par>
-        <p:cTn id="1" dur="indefinite" restart="never" nodeType="tmRoot"/>
-      </p:par>
-    </p:tnLst>
-  </p:timing>
 </p:sld>
 </file>
 
@@ -7841,13 +7799,6 @@
   <p:clrMapOvr>
     <a:masterClrMapping/>
   </p:clrMapOvr>
-  <p:timing>
-    <p:tnLst>
-      <p:par>
-        <p:cTn id="1" dur="indefinite" restart="never" nodeType="tmRoot"/>
-      </p:par>
-    </p:tnLst>
-  </p:timing>
 </p:sld>
 </file>
 
@@ -8709,13 +8660,6 @@
   <p:clrMapOvr>
     <a:masterClrMapping/>
   </p:clrMapOvr>
-  <p:timing>
-    <p:tnLst>
-      <p:par>
-        <p:cTn id="1" dur="indefinite" restart="never" nodeType="tmRoot"/>
-      </p:par>
-    </p:tnLst>
-  </p:timing>
 </p:sld>
 </file>
 
@@ -10412,13 +10356,6 @@
   <p:clrMapOvr>
     <a:masterClrMapping/>
   </p:clrMapOvr>
-  <p:timing>
-    <p:tnLst>
-      <p:par>
-        <p:cTn id="1" dur="indefinite" restart="never" nodeType="tmRoot"/>
-      </p:par>
-    </p:tnLst>
-  </p:timing>
 </p:sld>
 </file>
 
@@ -10533,13 +10470,6 @@
   <p:clrMapOvr>
     <a:masterClrMapping/>
   </p:clrMapOvr>
-  <p:timing>
-    <p:tnLst>
-      <p:par>
-        <p:cTn id="1" dur="indefinite" restart="never" nodeType="tmRoot"/>
-      </p:par>
-    </p:tnLst>
-  </p:timing>
 </p:sld>
 </file>
 
@@ -10813,13 +10743,6 @@
   <p:clrMapOvr>
     <a:masterClrMapping/>
   </p:clrMapOvr>
-  <p:timing>
-    <p:tnLst>
-      <p:par>
-        <p:cTn id="1" dur="indefinite" restart="never" nodeType="tmRoot"/>
-      </p:par>
-    </p:tnLst>
-  </p:timing>
 </p:sld>
 </file>
 
@@ -11125,13 +11048,6 @@
   <p:clrMapOvr>
     <a:masterClrMapping/>
   </p:clrMapOvr>
-  <p:timing>
-    <p:tnLst>
-      <p:par>
-        <p:cTn id="1" dur="indefinite" restart="never" nodeType="tmRoot"/>
-      </p:par>
-    </p:tnLst>
-  </p:timing>
 </p:sld>
 </file>
 
@@ -11246,13 +11162,6 @@
   <p:clrMapOvr>
     <a:masterClrMapping/>
   </p:clrMapOvr>
-  <p:timing>
-    <p:tnLst>
-      <p:par>
-        <p:cTn id="1" dur="indefinite" restart="never" nodeType="tmRoot"/>
-      </p:par>
-    </p:tnLst>
-  </p:timing>
 </p:sld>
 </file>
 
@@ -11339,7 +11248,7 @@
               <a:t>ER </a:t>
             </a:r>
             <a:r>
-              <a:rPr spc="-10" dirty="0" smtClean="0">
+              <a:rPr spc="-10" dirty="0">
                 <a:solidFill>
                   <a:srgbClr val="514743"/>
                 </a:solidFill>
@@ -11388,13 +11297,6 @@
   <p:clrMapOvr>
     <a:masterClrMapping/>
   </p:clrMapOvr>
-  <p:timing>
-    <p:tnLst>
-      <p:par>
-        <p:cTn id="1" dur="indefinite" restart="never" nodeType="tmRoot"/>
-      </p:par>
-    </p:tnLst>
-  </p:timing>
 </p:sld>
 </file>
 
@@ -11732,13 +11634,6 @@
   <p:clrMapOvr>
     <a:masterClrMapping/>
   </p:clrMapOvr>
-  <p:timing>
-    <p:tnLst>
-      <p:par>
-        <p:cTn id="1" dur="indefinite" restart="never" nodeType="tmRoot"/>
-      </p:par>
-    </p:tnLst>
-  </p:timing>
 </p:sld>
 </file>
 
@@ -12712,7 +12607,7 @@
               <a:t> </a:t>
             </a:r>
             <a:r>
-              <a:rPr sz="2400" spc="-285" dirty="0" smtClean="0">
+              <a:rPr sz="2400" spc="-285" dirty="0">
                 <a:solidFill>
                   <a:srgbClr val="514743"/>
                 </a:solidFill>
@@ -12722,7 +12617,7 @@
               <a:t>en</a:t>
             </a:r>
             <a:r>
-              <a:rPr sz="2400" spc="-185" dirty="0" smtClean="0">
+              <a:rPr sz="2400" spc="-185" dirty="0">
                 <a:solidFill>
                   <a:srgbClr val="514743"/>
                 </a:solidFill>
@@ -12732,7 +12627,7 @@
               <a:t>t</a:t>
             </a:r>
             <a:r>
-              <a:rPr sz="2400" spc="-285" dirty="0" smtClean="0">
+              <a:rPr sz="2400" spc="-285" dirty="0">
                 <a:solidFill>
                   <a:srgbClr val="514743"/>
                 </a:solidFill>
@@ -12742,7 +12637,7 @@
               <a:t>ity</a:t>
             </a:r>
             <a:r>
-              <a:rPr sz="2400" spc="-200" dirty="0" smtClean="0">
+              <a:rPr sz="2400" spc="-200" dirty="0">
                 <a:solidFill>
                   <a:srgbClr val="514743"/>
                 </a:solidFill>
@@ -12762,7 +12657,7 @@
               <a:t> </a:t>
             </a:r>
             <a:r>
-              <a:rPr sz="2400" spc="-360" dirty="0" smtClean="0">
+              <a:rPr sz="2400" spc="-360" dirty="0">
                 <a:solidFill>
                   <a:srgbClr val="514743"/>
                 </a:solidFill>
@@ -12772,7 +12667,7 @@
               <a:t>W</a:t>
             </a:r>
             <a:r>
-              <a:rPr sz="2400" spc="-240" dirty="0" smtClean="0">
+              <a:rPr sz="2400" spc="-240" dirty="0">
                 <a:solidFill>
                   <a:srgbClr val="514743"/>
                 </a:solidFill>
@@ -13830,13 +13725,6 @@
   <p:clrMapOvr>
     <a:masterClrMapping/>
   </p:clrMapOvr>
-  <p:timing>
-    <p:tnLst>
-      <p:par>
-        <p:cTn id="1" dur="indefinite" restart="never" nodeType="tmRoot"/>
-      </p:par>
-    </p:tnLst>
-  </p:timing>
 </p:sld>
 </file>
 
@@ -14572,13 +14460,6 @@
   <p:clrMapOvr>
     <a:masterClrMapping/>
   </p:clrMapOvr>
-  <p:timing>
-    <p:tnLst>
-      <p:par>
-        <p:cTn id="1" dur="indefinite" restart="never" nodeType="tmRoot"/>
-      </p:par>
-    </p:tnLst>
-  </p:timing>
 </p:sld>
 </file>
 
@@ -14850,7 +14731,7 @@
               <a:t>we </a:t>
             </a:r>
             <a:r>
-              <a:rPr lang="en-IN" sz="2400" spc="-470" dirty="0" smtClean="0">
+              <a:rPr lang="en-IN" sz="2400" spc="-470" dirty="0">
                 <a:solidFill>
                   <a:srgbClr val="514743"/>
                 </a:solidFill>
@@ -14860,7 +14741,7 @@
               <a:t> </a:t>
             </a:r>
             <a:r>
-              <a:rPr sz="2400" spc="-260" dirty="0" smtClean="0">
+              <a:rPr sz="2400" spc="-260" dirty="0">
                 <a:solidFill>
                   <a:srgbClr val="514743"/>
                 </a:solidFill>
@@ -15364,13 +15245,6 @@
   <p:clrMapOvr>
     <a:masterClrMapping/>
   </p:clrMapOvr>
-  <p:timing>
-    <p:tnLst>
-      <p:par>
-        <p:cTn id="1" dur="indefinite" restart="never" nodeType="tmRoot"/>
-      </p:par>
-    </p:tnLst>
-  </p:timing>
 </p:sld>
 </file>
 
@@ -15582,8 +15456,20 @@
                 <a:tableStyleId>{2D5ABB26-0587-4C30-8999-92F81FD0307C}</a:tableStyleId>
               </a:tblPr>
               <a:tblGrid>
-                <a:gridCol w="4352290"/>
-                <a:gridCol w="5628004"/>
+                <a:gridCol w="4352290">
+                  <a:extLst>
+                    <a:ext uri="{9D8B030D-6E8A-4147-A177-3AD203B41FA5}">
+                      <a16:colId xmlns:a16="http://schemas.microsoft.com/office/drawing/2014/main" val="20000"/>
+                    </a:ext>
+                  </a:extLst>
+                </a:gridCol>
+                <a:gridCol w="5628004">
+                  <a:extLst>
+                    <a:ext uri="{9D8B030D-6E8A-4147-A177-3AD203B41FA5}">
+                      <a16:colId xmlns:a16="http://schemas.microsoft.com/office/drawing/2014/main" val="20001"/>
+                    </a:ext>
+                  </a:extLst>
+                </a:gridCol>
               </a:tblGrid>
               <a:tr h="1143000">
                 <a:tc>
@@ -15729,6 +15615,11 @@
                     </a:lnB>
                   </a:tcPr>
                 </a:tc>
+                <a:extLst>
+                  <a:ext uri="{0D108BD9-81ED-4DB2-BD59-A6C34878D82A}">
+                    <a16:rowId xmlns:a16="http://schemas.microsoft.com/office/drawing/2014/main" val="10000"/>
+                  </a:ext>
+                </a:extLst>
               </a:tr>
               <a:tr h="887602">
                 <a:tc>
@@ -15855,6 +15746,11 @@
                     </a:lnB>
                   </a:tcPr>
                 </a:tc>
+                <a:extLst>
+                  <a:ext uri="{0D108BD9-81ED-4DB2-BD59-A6C34878D82A}">
+                    <a16:rowId xmlns:a16="http://schemas.microsoft.com/office/drawing/2014/main" val="10001"/>
+                  </a:ext>
+                </a:extLst>
               </a:tr>
               <a:tr h="887476">
                 <a:tc>
@@ -15979,6 +15875,11 @@
                     </a:lnB>
                   </a:tcPr>
                 </a:tc>
+                <a:extLst>
+                  <a:ext uri="{0D108BD9-81ED-4DB2-BD59-A6C34878D82A}">
+                    <a16:rowId xmlns:a16="http://schemas.microsoft.com/office/drawing/2014/main" val="10002"/>
+                  </a:ext>
+                </a:extLst>
               </a:tr>
               <a:tr h="887602">
                 <a:tc>
@@ -16105,6 +16006,11 @@
                     </a:lnB>
                   </a:tcPr>
                 </a:tc>
+                <a:extLst>
+                  <a:ext uri="{0D108BD9-81ED-4DB2-BD59-A6C34878D82A}">
+                    <a16:rowId xmlns:a16="http://schemas.microsoft.com/office/drawing/2014/main" val="10003"/>
+                  </a:ext>
+                </a:extLst>
               </a:tr>
               <a:tr h="887514">
                 <a:tc>
@@ -16229,6 +16135,11 @@
                     </a:lnB>
                   </a:tcPr>
                 </a:tc>
+                <a:extLst>
+                  <a:ext uri="{0D108BD9-81ED-4DB2-BD59-A6C34878D82A}">
+                    <a16:rowId xmlns:a16="http://schemas.microsoft.com/office/drawing/2014/main" val="10004"/>
+                  </a:ext>
+                </a:extLst>
               </a:tr>
             </a:tbl>
           </a:graphicData>
@@ -16384,13 +16295,6 @@
   <p:clrMapOvr>
     <a:masterClrMapping/>
   </p:clrMapOvr>
-  <p:timing>
-    <p:tnLst>
-      <p:par>
-        <p:cTn id="1" dur="indefinite" restart="never" nodeType="tmRoot"/>
-      </p:par>
-    </p:tnLst>
-  </p:timing>
 </p:sld>
 </file>
 
@@ -16715,13 +16619,6 @@
   <p:clrMapOvr>
     <a:masterClrMapping/>
   </p:clrMapOvr>
-  <p:timing>
-    <p:tnLst>
-      <p:par>
-        <p:cTn id="1" dur="indefinite" restart="never" nodeType="tmRoot"/>
-      </p:par>
-    </p:tnLst>
-  </p:timing>
 </p:sld>
 </file>
 
@@ -17035,13 +16932,6 @@
   <p:clrMapOvr>
     <a:masterClrMapping/>
   </p:clrMapOvr>
-  <p:timing>
-    <p:tnLst>
-      <p:par>
-        <p:cTn id="1" dur="indefinite" restart="never" nodeType="tmRoot"/>
-      </p:par>
-    </p:tnLst>
-  </p:timing>
 </p:sld>
 </file>
 
@@ -17692,13 +17582,6 @@
   <p:clrMapOvr>
     <a:masterClrMapping/>
   </p:clrMapOvr>
-  <p:timing>
-    <p:tnLst>
-      <p:par>
-        <p:cTn id="1" dur="indefinite" restart="never" nodeType="tmRoot"/>
-      </p:par>
-    </p:tnLst>
-  </p:timing>
 </p:sld>
 </file>
 
@@ -18455,13 +18338,6 @@
   <p:clrMapOvr>
     <a:masterClrMapping/>
   </p:clrMapOvr>
-  <p:timing>
-    <p:tnLst>
-      <p:par>
-        <p:cTn id="1" dur="indefinite" restart="never" nodeType="tmRoot"/>
-      </p:par>
-    </p:tnLst>
-  </p:timing>
 </p:sld>
 </file>
 
@@ -18747,13 +18623,6 @@
   <p:clrMapOvr>
     <a:masterClrMapping/>
   </p:clrMapOvr>
-  <p:timing>
-    <p:tnLst>
-      <p:par>
-        <p:cTn id="1" dur="indefinite" restart="never" nodeType="tmRoot"/>
-      </p:par>
-    </p:tnLst>
-  </p:timing>
 </p:sld>
 </file>
 
@@ -18790,10 +18659,9 @@
           <a:lstStyle/>
           <a:p>
             <a:r>
-              <a:rPr lang="en-US" dirty="0" smtClean="0"/>
+              <a:rPr lang="en-US" dirty="0"/>
               <a:t>Entity- Relationship Model</a:t>
             </a:r>
-            <a:endParaRPr lang="en-US" dirty="0"/>
           </a:p>
         </p:txBody>
       </p:sp>
@@ -18842,13 +18710,6 @@
   <p:clrMapOvr>
     <a:masterClrMapping/>
   </p:clrMapOvr>
-  <p:timing>
-    <p:tnLst>
-      <p:par>
-        <p:cTn id="1" dur="indefinite" restart="never" nodeType="tmRoot"/>
-      </p:par>
-    </p:tnLst>
-  </p:timing>
 </p:sld>
 </file>
 
@@ -19547,13 +19408,6 @@
   <p:clrMapOvr>
     <a:masterClrMapping/>
   </p:clrMapOvr>
-  <p:timing>
-    <p:tnLst>
-      <p:par>
-        <p:cTn id="1" dur="indefinite" restart="never" nodeType="tmRoot"/>
-      </p:par>
-    </p:tnLst>
-  </p:timing>
 </p:sld>
 </file>
 
@@ -20042,13 +19896,6 @@
   <p:clrMapOvr>
     <a:masterClrMapping/>
   </p:clrMapOvr>
-  <p:timing>
-    <p:tnLst>
-      <p:par>
-        <p:cTn id="1" dur="indefinite" restart="never" nodeType="tmRoot"/>
-      </p:par>
-    </p:tnLst>
-  </p:timing>
 </p:sld>
 </file>
 
@@ -20463,13 +20310,6 @@
   <p:clrMapOvr>
     <a:masterClrMapping/>
   </p:clrMapOvr>
-  <p:timing>
-    <p:tnLst>
-      <p:par>
-        <p:cTn id="1" dur="indefinite" restart="never" nodeType="tmRoot"/>
-      </p:par>
-    </p:tnLst>
-  </p:timing>
 </p:sld>
 </file>
 
@@ -20834,13 +20674,6 @@
   <p:clrMapOvr>
     <a:masterClrMapping/>
   </p:clrMapOvr>
-  <p:timing>
-    <p:tnLst>
-      <p:par>
-        <p:cTn id="1" dur="indefinite" restart="never" nodeType="tmRoot"/>
-      </p:par>
-    </p:tnLst>
-  </p:timing>
 </p:sld>
 </file>
 
@@ -21295,13 +21128,6 @@
   <p:clrMapOvr>
     <a:masterClrMapping/>
   </p:clrMapOvr>
-  <p:timing>
-    <p:tnLst>
-      <p:par>
-        <p:cTn id="1" dur="indefinite" restart="never" nodeType="tmRoot"/>
-      </p:par>
-    </p:tnLst>
-  </p:timing>
 </p:sld>
 </file>
 
@@ -21888,13 +21714,6 @@
   <p:clrMapOvr>
     <a:masterClrMapping/>
   </p:clrMapOvr>
-  <p:timing>
-    <p:tnLst>
-      <p:par>
-        <p:cTn id="1" dur="indefinite" restart="never" nodeType="tmRoot"/>
-      </p:par>
-    </p:tnLst>
-  </p:timing>
 </p:sld>
 </file>
 
@@ -22721,13 +22540,6 @@
   <p:clrMapOvr>
     <a:masterClrMapping/>
   </p:clrMapOvr>
-  <p:timing>
-    <p:tnLst>
-      <p:par>
-        <p:cTn id="1" dur="indefinite" restart="never" nodeType="tmRoot"/>
-      </p:par>
-    </p:tnLst>
-  </p:timing>
 </p:sld>
 </file>
 
@@ -23538,13 +23350,6 @@
   <p:clrMapOvr>
     <a:masterClrMapping/>
   </p:clrMapOvr>
-  <p:timing>
-    <p:tnLst>
-      <p:par>
-        <p:cTn id="1" dur="indefinite" restart="never" nodeType="tmRoot"/>
-      </p:par>
-    </p:tnLst>
-  </p:timing>
 </p:sld>
 </file>
 
@@ -24063,13 +23868,6 @@
   <p:clrMapOvr>
     <a:masterClrMapping/>
   </p:clrMapOvr>
-  <p:timing>
-    <p:tnLst>
-      <p:par>
-        <p:cTn id="1" dur="indefinite" restart="never" nodeType="tmRoot"/>
-      </p:par>
-    </p:tnLst>
-  </p:timing>
 </p:sld>
 </file>
 
@@ -24946,13 +24744,6 @@
   <p:clrMapOvr>
     <a:masterClrMapping/>
   </p:clrMapOvr>
-  <p:timing>
-    <p:tnLst>
-      <p:par>
-        <p:cTn id="1" dur="indefinite" restart="never" nodeType="tmRoot"/>
-      </p:par>
-    </p:tnLst>
-  </p:timing>
 </p:sld>
 </file>
 
@@ -25460,13 +25251,6 @@
   <p:clrMapOvr>
     <a:masterClrMapping/>
   </p:clrMapOvr>
-  <p:timing>
-    <p:tnLst>
-      <p:par>
-        <p:cTn id="1" dur="indefinite" restart="never" nodeType="tmRoot"/>
-      </p:par>
-    </p:tnLst>
-  </p:timing>
 </p:sld>
 </file>
 
